--- a/presentation.pptx
+++ b/presentation.pptx
@@ -110,6 +110,11 @@
       </a:defRPr>
     </a:lvl9pPr>
   </p:defaultTextStyle>
+  <p:extLst>
+    <p:ext uri="{EFAFB233-063F-42B5-8137-9DF3F51BA10A}">
+      <p15:sldGuideLst xmlns:p15="http://schemas.microsoft.com/office/powerpoint/2012/main"/>
+    </p:ext>
+  </p:extLst>
 </p:presentation>
 </file>
 
@@ -2632,10 +2637,10 @@
         <a:lstStyle/>
         <a:p>
           <a:r>
-            <a:rPr lang="de-DE"/>
+            <a:rPr lang="de-DE" dirty="0"/>
             <a:t>Gelernt wie man mit der Blender Python API umgeht</a:t>
           </a:r>
-          <a:endParaRPr lang="en-US"/>
+          <a:endParaRPr lang="en-US" dirty="0"/>
         </a:p>
       </dgm:t>
     </dgm:pt>
@@ -2669,10 +2674,10 @@
         <a:lstStyle/>
         <a:p>
           <a:r>
-            <a:rPr lang="de-DE"/>
+            <a:rPr lang="de-DE" dirty="0"/>
             <a:t>Vorgehensweise zum Lösen von Problemen</a:t>
           </a:r>
-          <a:endParaRPr lang="en-US"/>
+          <a:endParaRPr lang="en-US" dirty="0"/>
         </a:p>
       </dgm:t>
     </dgm:pt>
@@ -3567,10 +3572,10 @@
             <a:buNone/>
           </a:pPr>
           <a:r>
-            <a:rPr lang="de-DE" sz="3900" kern="1200"/>
+            <a:rPr lang="de-DE" sz="3900" kern="1200" dirty="0"/>
             <a:t>Gelernt wie man mit der Blender Python API umgeht</a:t>
           </a:r>
-          <a:endParaRPr lang="en-US" sz="3900" kern="1200"/>
+          <a:endParaRPr lang="en-US" sz="3900" kern="1200" dirty="0"/>
         </a:p>
       </dsp:txBody>
       <dsp:txXfrm>
@@ -3699,10 +3704,10 @@
             <a:buNone/>
           </a:pPr>
           <a:r>
-            <a:rPr lang="de-DE" sz="3900" kern="1200"/>
+            <a:rPr lang="de-DE" sz="3900" kern="1200" dirty="0"/>
             <a:t>Vorgehensweise zum Lösen von Problemen</a:t>
           </a:r>
-          <a:endParaRPr lang="en-US" sz="3900" kern="1200"/>
+          <a:endParaRPr lang="en-US" sz="3900" kern="1200" dirty="0"/>
         </a:p>
       </dsp:txBody>
       <dsp:txXfrm>
@@ -13149,10 +13154,119 @@
       </p:grpSpPr>
       <p:sp>
         <p:nvSpPr>
-          <p:cNvPr id="8" name="Freeform: Shape 7">
+          <p:cNvPr id="2" name="Titel 1">
             <a:extLst>
               <a:ext uri="{FF2B5EF4-FFF2-40B4-BE49-F238E27FC236}">
-                <a16:creationId xmlns:a16="http://schemas.microsoft.com/office/drawing/2014/main" id="{48A740BC-A0AA-45E0-B899-2AE9C6FE11CA}"/>
+                <a16:creationId xmlns:a16="http://schemas.microsoft.com/office/drawing/2014/main" id="{9AEEEF00-7E19-4C37-B943-BD5DB8B7FEE6}"/>
+              </a:ext>
+            </a:extLst>
+          </p:cNvPr>
+          <p:cNvSpPr>
+            <a:spLocks noGrp="1"/>
+          </p:cNvSpPr>
+          <p:nvPr>
+            <p:ph type="title"/>
+          </p:nvPr>
+        </p:nvSpPr>
+        <p:spPr>
+          <a:xfrm>
+            <a:off x="762001" y="803325"/>
+            <a:ext cx="5314536" cy="1325563"/>
+          </a:xfrm>
+        </p:spPr>
+        <p:txBody>
+          <a:bodyPr>
+            <a:normAutofit/>
+          </a:bodyPr>
+          <a:lstStyle/>
+          <a:p>
+            <a:r>
+              <a:rPr lang="de-DE" dirty="0"/>
+              <a:t>Umsetzung</a:t>
+            </a:r>
+          </a:p>
+        </p:txBody>
+      </p:sp>
+      <p:sp>
+        <p:nvSpPr>
+          <p:cNvPr id="3" name="Inhaltsplatzhalter 2">
+            <a:extLst>
+              <a:ext uri="{FF2B5EF4-FFF2-40B4-BE49-F238E27FC236}">
+                <a16:creationId xmlns:a16="http://schemas.microsoft.com/office/drawing/2014/main" id="{DFB09957-88D7-44E4-AFA8-30746537AEC1}"/>
+              </a:ext>
+            </a:extLst>
+          </p:cNvPr>
+          <p:cNvSpPr>
+            <a:spLocks noGrp="1"/>
+          </p:cNvSpPr>
+          <p:nvPr>
+            <p:ph idx="1"/>
+          </p:nvPr>
+        </p:nvSpPr>
+        <p:spPr>
+          <a:xfrm>
+            <a:off x="762000" y="2279018"/>
+            <a:ext cx="5314543" cy="3375920"/>
+          </a:xfrm>
+        </p:spPr>
+        <p:txBody>
+          <a:bodyPr anchor="t">
+            <a:normAutofit/>
+          </a:bodyPr>
+          <a:lstStyle/>
+          <a:p>
+            <a:r>
+              <a:rPr lang="de-DE" sz="1800" dirty="0"/>
+              <a:t>Als Blender Add-On</a:t>
+            </a:r>
+          </a:p>
+          <a:p>
+            <a:r>
+              <a:rPr lang="de-DE" sz="1800" dirty="0"/>
+              <a:t>Selektierte Fläche wird getrennt</a:t>
+            </a:r>
+          </a:p>
+          <a:p>
+            <a:r>
+              <a:rPr lang="de-DE" sz="1800" dirty="0"/>
+              <a:t>Textur wird hinzugefügt</a:t>
+            </a:r>
+          </a:p>
+          <a:p>
+            <a:r>
+              <a:rPr lang="de-DE" sz="1800" dirty="0"/>
+              <a:t>Partikelsystem wird hinzugefügt</a:t>
+            </a:r>
+          </a:p>
+          <a:p>
+            <a:r>
+              <a:rPr lang="de-DE" sz="1800" dirty="0"/>
+              <a:t>Objekte werden an den Positionen der Partikel verteilt</a:t>
+            </a:r>
+          </a:p>
+          <a:p>
+            <a:r>
+              <a:rPr lang="de-DE" sz="1800" dirty="0"/>
+              <a:t>Separiertes Objekt und Ursprungsobjekt werden zusammengefügt</a:t>
+            </a:r>
+          </a:p>
+          <a:p>
+            <a:r>
+              <a:rPr lang="de-DE" sz="1800" dirty="0"/>
+              <a:t>Partikelsystem wird entfernt</a:t>
+            </a:r>
+          </a:p>
+          <a:p>
+            <a:endParaRPr lang="de-DE" sz="1800" dirty="0"/>
+          </a:p>
+        </p:txBody>
+      </p:sp>
+      <p:sp>
+        <p:nvSpPr>
+          <p:cNvPr id="15" name="Freeform: Shape 14">
+            <a:extLst>
+              <a:ext uri="{FF2B5EF4-FFF2-40B4-BE49-F238E27FC236}">
+                <a16:creationId xmlns:a16="http://schemas.microsoft.com/office/drawing/2014/main" id="{CF62D2A7-8207-488C-9F46-316BA81A16C8}"/>
               </a:ext>
               <a:ext uri="{C183D7F6-B498-43B3-948B-1728B52AA6E4}">
                 <adec:decorative xmlns:adec="http://schemas.microsoft.com/office/drawing/2017/decorative" val="1"/>
@@ -13171,27 +13285,27 @@
           </p:nvPr>
         </p:nvSpPr>
         <p:spPr>
-          <a:xfrm>
-            <a:off x="5913121" y="-2"/>
-            <a:ext cx="6278879" cy="6858002"/>
+          <a:xfrm flipH="1">
+            <a:off x="6582780" y="-2008"/>
+            <a:ext cx="5609220" cy="5840278"/>
           </a:xfrm>
           <a:custGeom>
             <a:avLst/>
             <a:gdLst>
-              <a:gd name="connsiteX0" fmla="*/ 45572 w 6278879"/>
-              <a:gd name="connsiteY0" fmla="*/ 0 h 6858002"/>
-              <a:gd name="connsiteX1" fmla="*/ 6278879 w 6278879"/>
-              <a:gd name="connsiteY1" fmla="*/ 0 h 6858002"/>
-              <a:gd name="connsiteX2" fmla="*/ 6278879 w 6278879"/>
-              <a:gd name="connsiteY2" fmla="*/ 6858002 h 6858002"/>
-              <a:gd name="connsiteX3" fmla="*/ 3292308 w 6278879"/>
-              <a:gd name="connsiteY3" fmla="*/ 6858002 h 6858002"/>
-              <a:gd name="connsiteX4" fmla="*/ 3181526 w 6278879"/>
-              <a:gd name="connsiteY4" fmla="*/ 6786982 h 6858002"/>
-              <a:gd name="connsiteX5" fmla="*/ 0 w 6278879"/>
-              <a:gd name="connsiteY5" fmla="*/ 803254 h 6858002"/>
-              <a:gd name="connsiteX6" fmla="*/ 37255 w 6278879"/>
-              <a:gd name="connsiteY6" fmla="*/ 65447 h 6858002"/>
+              <a:gd name="connsiteX0" fmla="*/ 0 w 5609220"/>
+              <a:gd name="connsiteY0" fmla="*/ 0 h 5840278"/>
+              <a:gd name="connsiteX1" fmla="*/ 4637091 w 5609220"/>
+              <a:gd name="connsiteY1" fmla="*/ 0 h 5840278"/>
+              <a:gd name="connsiteX2" fmla="*/ 4822569 w 5609220"/>
+              <a:gd name="connsiteY2" fmla="*/ 204077 h 5840278"/>
+              <a:gd name="connsiteX3" fmla="*/ 5609220 w 5609220"/>
+              <a:gd name="connsiteY3" fmla="*/ 2395363 h 5840278"/>
+              <a:gd name="connsiteX4" fmla="*/ 2164305 w 5609220"/>
+              <a:gd name="connsiteY4" fmla="*/ 5840278 h 5840278"/>
+              <a:gd name="connsiteX5" fmla="*/ 238220 w 5609220"/>
+              <a:gd name="connsiteY5" fmla="*/ 5251941 h 5840278"/>
+              <a:gd name="connsiteX6" fmla="*/ 0 w 5609220"/>
+              <a:gd name="connsiteY6" fmla="*/ 5073803 h 5840278"/>
             </a:gdLst>
             <a:ahLst/>
             <a:cxnLst>
@@ -13219,42 +13333,42 @@
             </a:cxnLst>
             <a:rect l="l" t="t" r="r" b="b"/>
             <a:pathLst>
-              <a:path w="6278879" h="6858002">
+              <a:path w="5609220" h="5840278">
                 <a:moveTo>
-                  <a:pt x="45572" y="0"/>
+                  <a:pt x="0" y="0"/>
                 </a:moveTo>
                 <a:lnTo>
-                  <a:pt x="6278879" y="0"/>
+                  <a:pt x="4637091" y="0"/>
                 </a:lnTo>
                 <a:lnTo>
-                  <a:pt x="6278879" y="6858002"/>
-                </a:lnTo>
-                <a:lnTo>
-                  <a:pt x="3292308" y="6858002"/>
-                </a:lnTo>
-                <a:lnTo>
-                  <a:pt x="3181526" y="6786982"/>
+                  <a:pt x="4822569" y="204077"/>
                 </a:lnTo>
                 <a:cubicBezTo>
-                  <a:pt x="1262021" y="5490191"/>
-                  <a:pt x="0" y="3294103"/>
-                  <a:pt x="0" y="803254"/>
+                  <a:pt x="5314007" y="799562"/>
+                  <a:pt x="5609220" y="1562987"/>
+                  <a:pt x="5609220" y="2395363"/>
                 </a:cubicBezTo>
                 <a:cubicBezTo>
-                  <a:pt x="0" y="554169"/>
-                  <a:pt x="12620" y="308032"/>
-                  <a:pt x="37255" y="65447"/>
+                  <a:pt x="5609220" y="4297937"/>
+                  <a:pt x="4066879" y="5840278"/>
+                  <a:pt x="2164305" y="5840278"/>
                 </a:cubicBezTo>
+                <a:cubicBezTo>
+                  <a:pt x="1450840" y="5840278"/>
+                  <a:pt x="788032" y="5623387"/>
+                  <a:pt x="238220" y="5251941"/>
+                </a:cubicBezTo>
+                <a:lnTo>
+                  <a:pt x="0" y="5073803"/>
+                </a:lnTo>
                 <a:close/>
               </a:path>
             </a:pathLst>
           </a:custGeom>
           <a:solidFill>
-            <a:schemeClr val="bg1">
-              <a:lumMod val="85000"/>
-              <a:lumOff val="15000"/>
-              <a:alpha val="70000"/>
-            </a:schemeClr>
+            <a:srgbClr val="FFFFFF">
+              <a:alpha val="80000"/>
+            </a:srgbClr>
           </a:solidFill>
           <a:ln>
             <a:noFill/>
@@ -13314,168 +13428,114 @@
           </a:p>
         </p:txBody>
       </p:sp>
-      <p:sp>
-        <p:nvSpPr>
-          <p:cNvPr id="2" name="Titel 1">
+      <p:pic>
+        <p:nvPicPr>
+          <p:cNvPr id="5" name="Grafik 4" descr="Ein Bild, das drinnen, Himmel enthält.&#10;&#10;Mit hoher Zuverlässigkeit generierte Beschreibung">
             <a:extLst>
               <a:ext uri="{FF2B5EF4-FFF2-40B4-BE49-F238E27FC236}">
-                <a16:creationId xmlns:a16="http://schemas.microsoft.com/office/drawing/2014/main" id="{9AEEEF00-7E19-4C37-B943-BD5DB8B7FEE6}"/>
+                <a16:creationId xmlns:a16="http://schemas.microsoft.com/office/drawing/2014/main" id="{A0CB9552-3A3E-4880-A7F5-C9531EF91CA4}"/>
               </a:ext>
             </a:extLst>
           </p:cNvPr>
-          <p:cNvSpPr>
-            <a:spLocks noGrp="1"/>
-          </p:cNvSpPr>
-          <p:nvPr>
-            <p:ph type="title"/>
-          </p:nvPr>
-        </p:nvSpPr>
+          <p:cNvPicPr>
+            <a:picLocks noChangeAspect="1"/>
+          </p:cNvPicPr>
+          <p:nvPr/>
+        </p:nvPicPr>
+        <p:blipFill rotWithShape="1">
+          <a:blip r:embed="rId2">
+            <a:extLst>
+              <a:ext uri="{28A0092B-C50C-407E-A947-70E740481C1C}">
+                <a14:useLocalDpi xmlns:a14="http://schemas.microsoft.com/office/drawing/2010/main" val="0"/>
+              </a:ext>
+            </a:extLst>
+          </a:blip>
+          <a:srcRect l="382" r="38512" b="2"/>
+          <a:stretch/>
+        </p:blipFill>
         <p:spPr>
           <a:xfrm>
-            <a:off x="655320" y="365125"/>
-            <a:ext cx="9013052" cy="1623312"/>
+            <a:off x="6750141" y="-2"/>
+            <a:ext cx="5441859" cy="5654940"/>
           </a:xfrm>
+          <a:custGeom>
+            <a:avLst/>
+            <a:gdLst>
+              <a:gd name="connsiteX0" fmla="*/ 1041368 w 5441859"/>
+              <a:gd name="connsiteY0" fmla="*/ 0 h 5654940"/>
+              <a:gd name="connsiteX1" fmla="*/ 5441859 w 5441859"/>
+              <a:gd name="connsiteY1" fmla="*/ 0 h 5654940"/>
+              <a:gd name="connsiteX2" fmla="*/ 5441859 w 5441859"/>
+              <a:gd name="connsiteY2" fmla="*/ 4820612 h 5654940"/>
+              <a:gd name="connsiteX3" fmla="*/ 5285166 w 5441859"/>
+              <a:gd name="connsiteY3" fmla="*/ 4957981 h 5654940"/>
+              <a:gd name="connsiteX4" fmla="*/ 3267719 w 5441859"/>
+              <a:gd name="connsiteY4" fmla="*/ 5654940 h 5654940"/>
+              <a:gd name="connsiteX5" fmla="*/ 0 w 5441859"/>
+              <a:gd name="connsiteY5" fmla="*/ 2387221 h 5654940"/>
+              <a:gd name="connsiteX6" fmla="*/ 957093 w 5441859"/>
+              <a:gd name="connsiteY6" fmla="*/ 76595 h 5654940"/>
+            </a:gdLst>
+            <a:ahLst/>
+            <a:cxnLst>
+              <a:cxn ang="0">
+                <a:pos x="connsiteX0" y="connsiteY0"/>
+              </a:cxn>
+              <a:cxn ang="0">
+                <a:pos x="connsiteX1" y="connsiteY1"/>
+              </a:cxn>
+              <a:cxn ang="0">
+                <a:pos x="connsiteX2" y="connsiteY2"/>
+              </a:cxn>
+              <a:cxn ang="0">
+                <a:pos x="connsiteX3" y="connsiteY3"/>
+              </a:cxn>
+              <a:cxn ang="0">
+                <a:pos x="connsiteX4" y="connsiteY4"/>
+              </a:cxn>
+              <a:cxn ang="0">
+                <a:pos x="connsiteX5" y="connsiteY5"/>
+              </a:cxn>
+              <a:cxn ang="0">
+                <a:pos x="connsiteX6" y="connsiteY6"/>
+              </a:cxn>
+            </a:cxnLst>
+            <a:rect l="l" t="t" r="r" b="b"/>
+            <a:pathLst>
+              <a:path w="5441859" h="5654940">
+                <a:moveTo>
+                  <a:pt x="1041368" y="0"/>
+                </a:moveTo>
+                <a:lnTo>
+                  <a:pt x="5441859" y="0"/>
+                </a:lnTo>
+                <a:lnTo>
+                  <a:pt x="5441859" y="4820612"/>
+                </a:lnTo>
+                <a:lnTo>
+                  <a:pt x="5285166" y="4957981"/>
+                </a:lnTo>
+                <a:cubicBezTo>
+                  <a:pt x="4729628" y="5394557"/>
+                  <a:pt x="4029081" y="5654940"/>
+                  <a:pt x="3267719" y="5654940"/>
+                </a:cubicBezTo>
+                <a:cubicBezTo>
+                  <a:pt x="1463008" y="5654940"/>
+                  <a:pt x="0" y="4191932"/>
+                  <a:pt x="0" y="2387221"/>
+                </a:cubicBezTo>
+                <a:cubicBezTo>
+                  <a:pt x="0" y="1484866"/>
+                  <a:pt x="365752" y="667936"/>
+                  <a:pt x="957093" y="76595"/>
+                </a:cubicBezTo>
+                <a:close/>
+              </a:path>
+            </a:pathLst>
+          </a:custGeom>
         </p:spPr>
-        <p:txBody>
-          <a:bodyPr anchor="b">
-            <a:normAutofit/>
-          </a:bodyPr>
-          <a:lstStyle/>
-          <a:p>
-            <a:r>
-              <a:rPr lang="de-DE" sz="4000"/>
-              <a:t>Umsetzung</a:t>
-            </a:r>
-          </a:p>
-        </p:txBody>
-      </p:sp>
-      <p:cxnSp>
-        <p:nvCxnSpPr>
-          <p:cNvPr id="10" name="Straight Arrow Connector 9">
-            <a:extLst>
-              <a:ext uri="{FF2B5EF4-FFF2-40B4-BE49-F238E27FC236}">
-                <a16:creationId xmlns:a16="http://schemas.microsoft.com/office/drawing/2014/main" id="{B874EF51-C858-4BB9-97C3-D17755787127}"/>
-              </a:ext>
-              <a:ext uri="{C183D7F6-B498-43B3-948B-1728B52AA6E4}">
-                <adec:decorative xmlns:adec="http://schemas.microsoft.com/office/drawing/2017/decorative" val="1"/>
-              </a:ext>
-            </a:extLst>
-          </p:cNvPr>
-          <p:cNvCxnSpPr>
-            <a:cxnSpLocks noGrp="1" noRot="1" noChangeAspect="1" noMove="1" noResize="1" noEditPoints="1" noAdjustHandles="1" noChangeArrowheads="1" noChangeShapeType="1"/>
-          </p:cNvCxnSpPr>
-          <p:nvPr>
-            <p:extLst>
-              <p:ext uri="{386F3935-93C4-4BCD-93E2-E3B085C9AB24}">
-                <p16:designElem xmlns:p16="http://schemas.microsoft.com/office/powerpoint/2015/main" val="1"/>
-              </p:ext>
-            </p:extLst>
-          </p:nvPr>
-        </p:nvCxnSpPr>
-        <p:spPr>
-          <a:xfrm>
-            <a:off x="763661" y="2316480"/>
-            <a:ext cx="8229600" cy="0"/>
-          </a:xfrm>
-          <a:prstGeom prst="straightConnector1">
-            <a:avLst/>
-          </a:prstGeom>
-          <a:ln w="19050" cap="sq">
-            <a:solidFill>
-              <a:schemeClr val="tx1"/>
-            </a:solidFill>
-            <a:tailEnd type="none"/>
-          </a:ln>
-        </p:spPr>
-        <p:style>
-          <a:lnRef idx="1">
-            <a:schemeClr val="accent1"/>
-          </a:lnRef>
-          <a:fillRef idx="0">
-            <a:schemeClr val="accent1"/>
-          </a:fillRef>
-          <a:effectRef idx="0">
-            <a:schemeClr val="accent1"/>
-          </a:effectRef>
-          <a:fontRef idx="minor">
-            <a:schemeClr val="tx1"/>
-          </a:fontRef>
-        </p:style>
-      </p:cxnSp>
-      <p:sp>
-        <p:nvSpPr>
-          <p:cNvPr id="3" name="Inhaltsplatzhalter 2">
-            <a:extLst>
-              <a:ext uri="{FF2B5EF4-FFF2-40B4-BE49-F238E27FC236}">
-                <a16:creationId xmlns:a16="http://schemas.microsoft.com/office/drawing/2014/main" id="{DFB09957-88D7-44E4-AFA8-30746537AEC1}"/>
-              </a:ext>
-            </a:extLst>
-          </p:cNvPr>
-          <p:cNvSpPr>
-            <a:spLocks noGrp="1"/>
-          </p:cNvSpPr>
-          <p:nvPr>
-            <p:ph idx="1"/>
-          </p:nvPr>
-        </p:nvSpPr>
-        <p:spPr>
-          <a:xfrm>
-            <a:off x="655320" y="2644518"/>
-            <a:ext cx="9013052" cy="3327251"/>
-          </a:xfrm>
-        </p:spPr>
-        <p:txBody>
-          <a:bodyPr>
-            <a:normAutofit/>
-          </a:bodyPr>
-          <a:lstStyle/>
-          <a:p>
-            <a:r>
-              <a:rPr lang="de-DE" sz="2000"/>
-              <a:t>Als Blender Add-On</a:t>
-            </a:r>
-          </a:p>
-          <a:p>
-            <a:r>
-              <a:rPr lang="de-DE" sz="2000"/>
-              <a:t>Selektierte Fläche wird getrennt</a:t>
-            </a:r>
-          </a:p>
-          <a:p>
-            <a:r>
-              <a:rPr lang="de-DE" sz="2000"/>
-              <a:t>Textur wird hinzugefügt</a:t>
-            </a:r>
-          </a:p>
-          <a:p>
-            <a:r>
-              <a:rPr lang="de-DE" sz="2000"/>
-              <a:t>Partikelsystem wird hinzugefügt</a:t>
-            </a:r>
-          </a:p>
-          <a:p>
-            <a:r>
-              <a:rPr lang="de-DE" sz="2000"/>
-              <a:t>Objekte werden an den Positionen der Partikel verteilt</a:t>
-            </a:r>
-          </a:p>
-          <a:p>
-            <a:r>
-              <a:rPr lang="de-DE" sz="2000"/>
-              <a:t>Separiertes Objekt und Ursprungsobjekt werden zusammgefügt</a:t>
-            </a:r>
-          </a:p>
-          <a:p>
-            <a:r>
-              <a:rPr lang="de-DE" sz="2000"/>
-              <a:t>Partikelsystem wird entfernt</a:t>
-            </a:r>
-          </a:p>
-          <a:p>
-            <a:endParaRPr lang="de-DE" sz="2000"/>
-          </a:p>
-        </p:txBody>
-      </p:sp>
+      </p:pic>
     </p:spTree>
     <p:extLst>
       <p:ext uri="{BB962C8B-B14F-4D97-AF65-F5344CB8AC3E}">
